--- a/capstone/ER Diagram.pptx
+++ b/capstone/ER Diagram.pptx
@@ -104,6 +104,11 @@
       </a:defRPr>
     </a:lvl9pPr>
   </p:defaultTextStyle>
+  <p:extLst>
+    <p:ext uri="{EFAFB233-063F-42B5-8137-9DF3F51BA10A}">
+      <p15:sldGuideLst xmlns:p15="http://schemas.microsoft.com/office/powerpoint/2012/main"/>
+    </p:ext>
+  </p:extLst>
 </p:presentation>
 </file>
 
@@ -254,7 +259,7 @@
           <a:p>
             <a:fld id="{22510194-C24B-4E57-99CE-272CECD75CD0}" type="datetimeFigureOut">
               <a:rPr lang="en-US" smtClean="0"/>
-              <a:t>8/24/2019</a:t>
+              <a:t>8/25/2019</a:t>
             </a:fld>
             <a:endParaRPr lang="en-US"/>
           </a:p>
@@ -452,7 +457,7 @@
           <a:p>
             <a:fld id="{22510194-C24B-4E57-99CE-272CECD75CD0}" type="datetimeFigureOut">
               <a:rPr lang="en-US" smtClean="0"/>
-              <a:t>8/24/2019</a:t>
+              <a:t>8/25/2019</a:t>
             </a:fld>
             <a:endParaRPr lang="en-US"/>
           </a:p>
@@ -660,7 +665,7 @@
           <a:p>
             <a:fld id="{22510194-C24B-4E57-99CE-272CECD75CD0}" type="datetimeFigureOut">
               <a:rPr lang="en-US" smtClean="0"/>
-              <a:t>8/24/2019</a:t>
+              <a:t>8/25/2019</a:t>
             </a:fld>
             <a:endParaRPr lang="en-US"/>
           </a:p>
@@ -858,7 +863,7 @@
           <a:p>
             <a:fld id="{22510194-C24B-4E57-99CE-272CECD75CD0}" type="datetimeFigureOut">
               <a:rPr lang="en-US" smtClean="0"/>
-              <a:t>8/24/2019</a:t>
+              <a:t>8/25/2019</a:t>
             </a:fld>
             <a:endParaRPr lang="en-US"/>
           </a:p>
@@ -1133,7 +1138,7 @@
           <a:p>
             <a:fld id="{22510194-C24B-4E57-99CE-272CECD75CD0}" type="datetimeFigureOut">
               <a:rPr lang="en-US" smtClean="0"/>
-              <a:t>8/24/2019</a:t>
+              <a:t>8/25/2019</a:t>
             </a:fld>
             <a:endParaRPr lang="en-US"/>
           </a:p>
@@ -1398,7 +1403,7 @@
           <a:p>
             <a:fld id="{22510194-C24B-4E57-99CE-272CECD75CD0}" type="datetimeFigureOut">
               <a:rPr lang="en-US" smtClean="0"/>
-              <a:t>8/24/2019</a:t>
+              <a:t>8/25/2019</a:t>
             </a:fld>
             <a:endParaRPr lang="en-US"/>
           </a:p>
@@ -1810,7 +1815,7 @@
           <a:p>
             <a:fld id="{22510194-C24B-4E57-99CE-272CECD75CD0}" type="datetimeFigureOut">
               <a:rPr lang="en-US" smtClean="0"/>
-              <a:t>8/24/2019</a:t>
+              <a:t>8/25/2019</a:t>
             </a:fld>
             <a:endParaRPr lang="en-US"/>
           </a:p>
@@ -1951,7 +1956,7 @@
           <a:p>
             <a:fld id="{22510194-C24B-4E57-99CE-272CECD75CD0}" type="datetimeFigureOut">
               <a:rPr lang="en-US" smtClean="0"/>
-              <a:t>8/24/2019</a:t>
+              <a:t>8/25/2019</a:t>
             </a:fld>
             <a:endParaRPr lang="en-US"/>
           </a:p>
@@ -2064,7 +2069,7 @@
           <a:p>
             <a:fld id="{22510194-C24B-4E57-99CE-272CECD75CD0}" type="datetimeFigureOut">
               <a:rPr lang="en-US" smtClean="0"/>
-              <a:t>8/24/2019</a:t>
+              <a:t>8/25/2019</a:t>
             </a:fld>
             <a:endParaRPr lang="en-US"/>
           </a:p>
@@ -2375,7 +2380,7 @@
           <a:p>
             <a:fld id="{22510194-C24B-4E57-99CE-272CECD75CD0}" type="datetimeFigureOut">
               <a:rPr lang="en-US" smtClean="0"/>
-              <a:t>8/24/2019</a:t>
+              <a:t>8/25/2019</a:t>
             </a:fld>
             <a:endParaRPr lang="en-US"/>
           </a:p>
@@ -2663,7 +2668,7 @@
           <a:p>
             <a:fld id="{22510194-C24B-4E57-99CE-272CECD75CD0}" type="datetimeFigureOut">
               <a:rPr lang="en-US" smtClean="0"/>
-              <a:t>8/24/2019</a:t>
+              <a:t>8/25/2019</a:t>
             </a:fld>
             <a:endParaRPr lang="en-US"/>
           </a:p>
@@ -2904,7 +2909,7 @@
           <a:p>
             <a:fld id="{22510194-C24B-4E57-99CE-272CECD75CD0}" type="datetimeFigureOut">
               <a:rPr lang="en-US" smtClean="0"/>
-              <a:t>8/24/2019</a:t>
+              <a:t>8/25/2019</a:t>
             </a:fld>
             <a:endParaRPr lang="en-US"/>
           </a:p>
@@ -3336,13 +3341,13 @@
           <p:nvPr>
             <p:extLst>
               <p:ext uri="{D42A27DB-BD31-4B8C-83A1-F6EECF244321}">
-                <p14:modId xmlns:p14="http://schemas.microsoft.com/office/powerpoint/2010/main" val="663416944"/>
+                <p14:modId xmlns:p14="http://schemas.microsoft.com/office/powerpoint/2010/main" val="4091066507"/>
               </p:ext>
             </p:extLst>
           </p:nvPr>
         </p:nvGraphicFramePr>
         <p:xfrm>
-          <a:off x="8882062" y="534769"/>
+          <a:off x="8626567" y="386851"/>
           <a:ext cx="3019146" cy="1219200"/>
         </p:xfrm>
         <a:graphic>
@@ -3388,7 +3393,7 @@
                     <a:p>
                       <a:r>
                         <a:rPr lang="en-US" sz="1400" dirty="0"/>
-                        <a:t>ID SERIAL PRIMARY KEY NOT NULL</a:t>
+                        <a:t>ID SERIAL NOT NULL</a:t>
                       </a:r>
                     </a:p>
                   </a:txBody>
@@ -3408,7 +3413,7 @@
                     <a:p>
                       <a:r>
                         <a:rPr lang="en-US" sz="1400" dirty="0"/>
-                        <a:t>NAME varchar NOT NULL</a:t>
+                        <a:t>NAME varchar PRIMARY KEY NOT NULL</a:t>
                       </a:r>
                     </a:p>
                   </a:txBody>
@@ -3459,13 +3464,13 @@
           <p:nvPr>
             <p:extLst>
               <p:ext uri="{D42A27DB-BD31-4B8C-83A1-F6EECF244321}">
-                <p14:modId xmlns:p14="http://schemas.microsoft.com/office/powerpoint/2010/main" val="3533934848"/>
+                <p14:modId xmlns:p14="http://schemas.microsoft.com/office/powerpoint/2010/main" val="2380279461"/>
               </p:ext>
             </p:extLst>
           </p:nvPr>
         </p:nvGraphicFramePr>
         <p:xfrm>
-          <a:off x="8882064" y="5287471"/>
+          <a:off x="8626567" y="5556749"/>
           <a:ext cx="3019146" cy="914400"/>
         </p:xfrm>
         <a:graphic>
@@ -3562,13 +3567,13 @@
           <p:nvPr>
             <p:extLst>
               <p:ext uri="{D42A27DB-BD31-4B8C-83A1-F6EECF244321}">
-                <p14:modId xmlns:p14="http://schemas.microsoft.com/office/powerpoint/2010/main" val="2237960239"/>
+                <p14:modId xmlns:p14="http://schemas.microsoft.com/office/powerpoint/2010/main" val="531653276"/>
               </p:ext>
             </p:extLst>
           </p:nvPr>
         </p:nvGraphicFramePr>
         <p:xfrm>
-          <a:off x="4646652" y="499918"/>
+          <a:off x="4562800" y="848533"/>
           <a:ext cx="3656109" cy="4876800"/>
         </p:xfrm>
         <a:graphic>
@@ -3694,7 +3699,7 @@
                     <a:p>
                       <a:r>
                         <a:rPr lang="en-US" sz="1400" dirty="0"/>
-                        <a:t>SRVY_YR int</a:t>
+                        <a:t>YEAR int</a:t>
                       </a:r>
                     </a:p>
                   </a:txBody>
@@ -3714,7 +3719,7 @@
                     <a:p>
                       <a:r>
                         <a:rPr lang="en-US" sz="1400" dirty="0"/>
-                        <a:t>INTV_MON int NOT NULL</a:t>
+                        <a:t>MONTH int NOT NULL</a:t>
                       </a:r>
                     </a:p>
                   </a:txBody>
@@ -3814,7 +3819,7 @@
                     <a:p>
                       <a:r>
                         <a:rPr lang="en-US" sz="1400" dirty="0"/>
-                        <a:t>PROBLEM varchar</a:t>
+                        <a:t>PROBLEM_CODE varchar</a:t>
                       </a:r>
                     </a:p>
                   </a:txBody>
@@ -3834,7 +3839,7 @@
                     <a:p>
                       <a:r>
                         <a:rPr lang="en-US" sz="1400" dirty="0"/>
-                        <a:t>PROBLEM_CODE int</a:t>
+                        <a:t>PROBLEM int</a:t>
                       </a:r>
                     </a:p>
                   </a:txBody>
@@ -3911,7 +3916,7 @@
                       </a:pPr>
                       <a:r>
                         <a:rPr lang="en-US" sz="1400" dirty="0"/>
-                        <a:t>PRIMARY KEY (FPX, FMX, HHX, SRVY_YR, LINE)</a:t>
+                        <a:t>PRIMARY KEY (FPX, FMX, HHX, YEAR, LINE)</a:t>
                       </a:r>
                     </a:p>
                   </a:txBody>
@@ -3942,14 +3947,14 @@
           <p:nvPr>
             <p:extLst>
               <p:ext uri="{D42A27DB-BD31-4B8C-83A1-F6EECF244321}">
-                <p14:modId xmlns:p14="http://schemas.microsoft.com/office/powerpoint/2010/main" val="317833133"/>
+                <p14:modId xmlns:p14="http://schemas.microsoft.com/office/powerpoint/2010/main" val="3929559795"/>
               </p:ext>
             </p:extLst>
           </p:nvPr>
         </p:nvGraphicFramePr>
         <p:xfrm>
-          <a:off x="446833" y="4891231"/>
-          <a:ext cx="3495484" cy="1524000"/>
+          <a:off x="8626567" y="1906950"/>
+          <a:ext cx="3019145" cy="1828800"/>
         </p:xfrm>
         <a:graphic>
           <a:graphicData uri="http://schemas.openxmlformats.org/drawingml/2006/table">
@@ -3958,7 +3963,7 @@
                 <a:tableStyleId>{5C22544A-7EE6-4342-B048-85BDC9FD1C3A}</a:tableStyleId>
               </a:tblPr>
               <a:tblGrid>
-                <a:gridCol w="3495484">
+                <a:gridCol w="3019145">
                   <a:extLst>
                     <a:ext uri="{9D8B030D-6E8A-4147-A177-3AD203B41FA5}">
                       <a16:colId xmlns:a16="http://schemas.microsoft.com/office/drawing/2014/main" val="3732337253"/>
@@ -3994,7 +3999,7 @@
                     <a:p>
                       <a:r>
                         <a:rPr lang="en-US" sz="1400" dirty="0"/>
-                        <a:t>ID SERIAL PRIMARY KEY NOT NULL</a:t>
+                        <a:t>ID SERIAL NOT NULL</a:t>
                       </a:r>
                     </a:p>
                   </a:txBody>
@@ -4066,6 +4071,26 @@
                   </a:ext>
                 </a:extLst>
               </a:tr>
+              <a:tr h="274320">
+                <a:tc>
+                  <a:txBody>
+                    <a:bodyPr/>
+                    <a:lstStyle/>
+                    <a:p>
+                      <a:r>
+                        <a:rPr lang="en-US" sz="1400" dirty="0"/>
+                        <a:t>PRIMARY KEY  (COUNTY_C, STATE_C)</a:t>
+                      </a:r>
+                    </a:p>
+                  </a:txBody>
+                  <a:tcPr/>
+                </a:tc>
+                <a:extLst>
+                  <a:ext uri="{0D108BD9-81ED-4DB2-BD59-A6C34878D82A}">
+                    <a16:rowId xmlns:a16="http://schemas.microsoft.com/office/drawing/2014/main" val="2774378652"/>
+                  </a:ext>
+                </a:extLst>
+              </a:tr>
             </a:tbl>
           </a:graphicData>
         </a:graphic>
@@ -4085,13 +4110,13 @@
           <p:nvPr>
             <p:extLst>
               <p:ext uri="{D42A27DB-BD31-4B8C-83A1-F6EECF244321}">
-                <p14:modId xmlns:p14="http://schemas.microsoft.com/office/powerpoint/2010/main" val="2506448824"/>
+                <p14:modId xmlns:p14="http://schemas.microsoft.com/office/powerpoint/2010/main" val="2372640936"/>
               </p:ext>
             </p:extLst>
           </p:nvPr>
         </p:nvGraphicFramePr>
         <p:xfrm>
-          <a:off x="8882064" y="2757343"/>
+          <a:off x="8626568" y="4036649"/>
           <a:ext cx="3019145" cy="1219200"/>
         </p:xfrm>
         <a:graphic>
@@ -4225,14 +4250,14 @@
           <p:nvPr>
             <p:extLst>
               <p:ext uri="{D42A27DB-BD31-4B8C-83A1-F6EECF244321}">
-                <p14:modId xmlns:p14="http://schemas.microsoft.com/office/powerpoint/2010/main" val="3414225433"/>
+                <p14:modId xmlns:p14="http://schemas.microsoft.com/office/powerpoint/2010/main" val="1043643330"/>
               </p:ext>
             </p:extLst>
           </p:nvPr>
         </p:nvGraphicFramePr>
         <p:xfrm>
-          <a:off x="446833" y="534769"/>
-          <a:ext cx="3495484" cy="3962400"/>
+          <a:off x="214591" y="848533"/>
+          <a:ext cx="3940550" cy="4267200"/>
         </p:xfrm>
         <a:graphic>
           <a:graphicData uri="http://schemas.openxmlformats.org/drawingml/2006/table">
@@ -4241,7 +4266,7 @@
                 <a:tableStyleId>{5C22544A-7EE6-4342-B048-85BDC9FD1C3A}</a:tableStyleId>
               </a:tblPr>
               <a:tblGrid>
-                <a:gridCol w="3495484">
+                <a:gridCol w="3940550">
                   <a:extLst>
                     <a:ext uri="{9D8B030D-6E8A-4147-A177-3AD203B41FA5}">
                       <a16:colId xmlns:a16="http://schemas.microsoft.com/office/drawing/2014/main" val="2169582040"/>
@@ -4277,7 +4302,7 @@
                     <a:p>
                       <a:r>
                         <a:rPr lang="en-US" sz="1400" dirty="0"/>
-                        <a:t>ID SERIAL PRIMARY KEY NOT NULL</a:t>
+                        <a:t>ID SERIAL NOT NULL</a:t>
                       </a:r>
                     </a:p>
                   </a:txBody>
@@ -4506,6 +4531,26 @@
                 <a:extLst>
                   <a:ext uri="{0D108BD9-81ED-4DB2-BD59-A6C34878D82A}">
                     <a16:rowId xmlns:a16="http://schemas.microsoft.com/office/drawing/2014/main" val="2568925502"/>
+                  </a:ext>
+                </a:extLst>
+              </a:tr>
+              <a:tr h="274320">
+                <a:tc>
+                  <a:txBody>
+                    <a:bodyPr/>
+                    <a:lstStyle/>
+                    <a:p>
+                      <a:r>
+                        <a:rPr lang="en-US" sz="1400" dirty="0"/>
+                        <a:t>PRIMARY KEY (STATE_C, COUNTY_C, YEAR, MONTH)</a:t>
+                      </a:r>
+                    </a:p>
+                  </a:txBody>
+                  <a:tcPr/>
+                </a:tc>
+                <a:extLst>
+                  <a:ext uri="{0D108BD9-81ED-4DB2-BD59-A6C34878D82A}">
+                    <a16:rowId xmlns:a16="http://schemas.microsoft.com/office/drawing/2014/main" val="2520471158"/>
                   </a:ext>
                 </a:extLst>
               </a:tr>
